--- a/regression/bike/bike_images.pptx
+++ b/regression/bike/bike_images.pptx
@@ -19,6 +19,9 @@
     <p:sldId id="267" r:id="rId13"/>
     <p:sldId id="268" r:id="rId14"/>
     <p:sldId id="269" r:id="rId15"/>
+    <p:sldId id="270" r:id="rId16"/>
+    <p:sldId id="271" r:id="rId17"/>
+    <p:sldId id="272" r:id="rId18"/>
   </p:sldIdLst>
   <p:sldSz cx="12192000" cy="6858000"/>
   <p:notesSz cx="6858000" cy="9144000"/>
@@ -117,6 +120,11 @@
       </a:defRPr>
     </a:lvl9pPr>
   </p:defaultTextStyle>
+  <p:extLst>
+    <p:ext uri="{EFAFB233-063F-42B5-8137-9DF3F51BA10A}">
+      <p15:sldGuideLst xmlns:p15="http://schemas.microsoft.com/office/powerpoint/2012/main"/>
+    </p:ext>
+  </p:extLst>
 </p:presentation>
 </file>
 
@@ -267,7 +275,7 @@
           <a:p>
             <a:fld id="{88F78B79-A153-4478-801E-29AE179BA453}" type="datetimeFigureOut">
               <a:rPr lang="ko-KR" altLang="en-US" smtClean="0"/>
-              <a:t>2018-12-15</a:t>
+              <a:t>2018-12-16</a:t>
             </a:fld>
             <a:endParaRPr lang="ko-KR" altLang="en-US"/>
           </a:p>
@@ -465,7 +473,7 @@
           <a:p>
             <a:fld id="{88F78B79-A153-4478-801E-29AE179BA453}" type="datetimeFigureOut">
               <a:rPr lang="ko-KR" altLang="en-US" smtClean="0"/>
-              <a:t>2018-12-15</a:t>
+              <a:t>2018-12-16</a:t>
             </a:fld>
             <a:endParaRPr lang="ko-KR" altLang="en-US"/>
           </a:p>
@@ -673,7 +681,7 @@
           <a:p>
             <a:fld id="{88F78B79-A153-4478-801E-29AE179BA453}" type="datetimeFigureOut">
               <a:rPr lang="ko-KR" altLang="en-US" smtClean="0"/>
-              <a:t>2018-12-15</a:t>
+              <a:t>2018-12-16</a:t>
             </a:fld>
             <a:endParaRPr lang="ko-KR" altLang="en-US"/>
           </a:p>
@@ -871,7 +879,7 @@
           <a:p>
             <a:fld id="{88F78B79-A153-4478-801E-29AE179BA453}" type="datetimeFigureOut">
               <a:rPr lang="ko-KR" altLang="en-US" smtClean="0"/>
-              <a:t>2018-12-15</a:t>
+              <a:t>2018-12-16</a:t>
             </a:fld>
             <a:endParaRPr lang="ko-KR" altLang="en-US"/>
           </a:p>
@@ -1146,7 +1154,7 @@
           <a:p>
             <a:fld id="{88F78B79-A153-4478-801E-29AE179BA453}" type="datetimeFigureOut">
               <a:rPr lang="ko-KR" altLang="en-US" smtClean="0"/>
-              <a:t>2018-12-15</a:t>
+              <a:t>2018-12-16</a:t>
             </a:fld>
             <a:endParaRPr lang="ko-KR" altLang="en-US"/>
           </a:p>
@@ -1411,7 +1419,7 @@
           <a:p>
             <a:fld id="{88F78B79-A153-4478-801E-29AE179BA453}" type="datetimeFigureOut">
               <a:rPr lang="ko-KR" altLang="en-US" smtClean="0"/>
-              <a:t>2018-12-15</a:t>
+              <a:t>2018-12-16</a:t>
             </a:fld>
             <a:endParaRPr lang="ko-KR" altLang="en-US"/>
           </a:p>
@@ -1823,7 +1831,7 @@
           <a:p>
             <a:fld id="{88F78B79-A153-4478-801E-29AE179BA453}" type="datetimeFigureOut">
               <a:rPr lang="ko-KR" altLang="en-US" smtClean="0"/>
-              <a:t>2018-12-15</a:t>
+              <a:t>2018-12-16</a:t>
             </a:fld>
             <a:endParaRPr lang="ko-KR" altLang="en-US"/>
           </a:p>
@@ -1964,7 +1972,7 @@
           <a:p>
             <a:fld id="{88F78B79-A153-4478-801E-29AE179BA453}" type="datetimeFigureOut">
               <a:rPr lang="ko-KR" altLang="en-US" smtClean="0"/>
-              <a:t>2018-12-15</a:t>
+              <a:t>2018-12-16</a:t>
             </a:fld>
             <a:endParaRPr lang="ko-KR" altLang="en-US"/>
           </a:p>
@@ -2077,7 +2085,7 @@
           <a:p>
             <a:fld id="{88F78B79-A153-4478-801E-29AE179BA453}" type="datetimeFigureOut">
               <a:rPr lang="ko-KR" altLang="en-US" smtClean="0"/>
-              <a:t>2018-12-15</a:t>
+              <a:t>2018-12-16</a:t>
             </a:fld>
             <a:endParaRPr lang="ko-KR" altLang="en-US"/>
           </a:p>
@@ -2388,7 +2396,7 @@
           <a:p>
             <a:fld id="{88F78B79-A153-4478-801E-29AE179BA453}" type="datetimeFigureOut">
               <a:rPr lang="ko-KR" altLang="en-US" smtClean="0"/>
-              <a:t>2018-12-15</a:t>
+              <a:t>2018-12-16</a:t>
             </a:fld>
             <a:endParaRPr lang="ko-KR" altLang="en-US"/>
           </a:p>
@@ -2676,7 +2684,7 @@
           <a:p>
             <a:fld id="{88F78B79-A153-4478-801E-29AE179BA453}" type="datetimeFigureOut">
               <a:rPr lang="ko-KR" altLang="en-US" smtClean="0"/>
-              <a:t>2018-12-15</a:t>
+              <a:t>2018-12-16</a:t>
             </a:fld>
             <a:endParaRPr lang="ko-KR" altLang="en-US"/>
           </a:p>
@@ -2917,7 +2925,7 @@
           <a:p>
             <a:fld id="{88F78B79-A153-4478-801E-29AE179BA453}" type="datetimeFigureOut">
               <a:rPr lang="ko-KR" altLang="en-US" smtClean="0"/>
-              <a:t>2018-12-15</a:t>
+              <a:t>2018-12-16</a:t>
             </a:fld>
             <a:endParaRPr lang="ko-KR" altLang="en-US"/>
           </a:p>
@@ -3349,7 +3357,7 @@
           <p:nvPr>
             <p:extLst>
               <p:ext uri="{D42A27DB-BD31-4B8C-83A1-F6EECF244321}">
-                <p14:modId xmlns:p14="http://schemas.microsoft.com/office/powerpoint/2010/main" val="3026215816"/>
+                <p14:modId xmlns:p14="http://schemas.microsoft.com/office/powerpoint/2010/main" val="919231076"/>
               </p:ext>
             </p:extLst>
           </p:nvPr>
@@ -3799,6 +3807,13 @@
                     <a:lstStyle/>
                     <a:p>
                       <a:pPr algn="ctr" latinLnBrk="1"/>
+                      <a:r>
+                        <a:rPr lang="en-US" altLang="ko-KR" dirty="0">
+                          <a:latin typeface="D2Coding" panose="020B0609020101020101" pitchFamily="49" charset="-127"/>
+                          <a:ea typeface="D2Coding" panose="020B0609020101020101" pitchFamily="49" charset="-127"/>
+                        </a:rPr>
+                        <a:t>0, 1</a:t>
+                      </a:r>
                       <a:endParaRPr lang="ko-KR" altLang="en-US" dirty="0">
                         <a:latin typeface="D2Coding" panose="020B0609020101020101" pitchFamily="49" charset="-127"/>
                         <a:ea typeface="D2Coding" panose="020B0609020101020101" pitchFamily="49" charset="-127"/>
@@ -3858,6 +3873,13 @@
                     <a:lstStyle/>
                     <a:p>
                       <a:pPr algn="ctr" latinLnBrk="1"/>
+                      <a:r>
+                        <a:rPr lang="en-US" altLang="ko-KR" dirty="0">
+                          <a:latin typeface="D2Coding" panose="020B0609020101020101" pitchFamily="49" charset="-127"/>
+                          <a:ea typeface="D2Coding" panose="020B0609020101020101" pitchFamily="49" charset="-127"/>
+                        </a:rPr>
+                        <a:t>0, 1</a:t>
+                      </a:r>
                       <a:endParaRPr lang="ko-KR" altLang="en-US" dirty="0">
                         <a:latin typeface="D2Coding" panose="020B0609020101020101" pitchFamily="49" charset="-127"/>
                         <a:ea typeface="D2Coding" panose="020B0609020101020101" pitchFamily="49" charset="-127"/>
@@ -4711,6 +4733,311 @@
 </p:sld>
 </file>
 
+<file path=ppt/slides/slide15.xml><?xml version="1.0" encoding="utf-8"?>
+<p:sld xmlns:a="http://schemas.openxmlformats.org/drawingml/2006/main" xmlns:r="http://schemas.openxmlformats.org/officeDocument/2006/relationships" xmlns:p="http://schemas.openxmlformats.org/presentationml/2006/main">
+  <p:cSld>
+    <p:spTree>
+      <p:nvGrpSpPr>
+        <p:cNvPr id="1" name=""/>
+        <p:cNvGrpSpPr/>
+        <p:nvPr/>
+      </p:nvGrpSpPr>
+      <p:grpSpPr>
+        <a:xfrm>
+          <a:off x="0" y="0"/>
+          <a:ext cx="0" cy="0"/>
+          <a:chOff x="0" y="0"/>
+          <a:chExt cx="0" cy="0"/>
+        </a:xfrm>
+      </p:grpSpPr>
+      <p:pic>
+        <p:nvPicPr>
+          <p:cNvPr id="4" name="그림 3">
+            <a:extLst>
+              <a:ext uri="{FF2B5EF4-FFF2-40B4-BE49-F238E27FC236}">
+                <a16:creationId xmlns:a16="http://schemas.microsoft.com/office/drawing/2014/main" id="{86D18DD4-E0C7-4899-9F7A-FF7F4DD24A85}"/>
+              </a:ext>
+            </a:extLst>
+          </p:cNvPr>
+          <p:cNvPicPr>
+            <a:picLocks noChangeAspect="1"/>
+          </p:cNvPicPr>
+          <p:nvPr/>
+        </p:nvPicPr>
+        <p:blipFill>
+          <a:blip r:embed="rId2"/>
+          <a:stretch>
+            <a:fillRect/>
+          </a:stretch>
+        </p:blipFill>
+        <p:spPr>
+          <a:xfrm>
+            <a:off x="3661940" y="2571702"/>
+            <a:ext cx="4868120" cy="1714595"/>
+          </a:xfrm>
+          <a:prstGeom prst="rect">
+            <a:avLst/>
+          </a:prstGeom>
+        </p:spPr>
+      </p:pic>
+    </p:spTree>
+    <p:extLst>
+      <p:ext uri="{BB962C8B-B14F-4D97-AF65-F5344CB8AC3E}">
+        <p14:creationId xmlns:p14="http://schemas.microsoft.com/office/powerpoint/2010/main" val="482155968"/>
+      </p:ext>
+    </p:extLst>
+  </p:cSld>
+  <p:clrMapOvr>
+    <a:masterClrMapping/>
+  </p:clrMapOvr>
+</p:sld>
+</file>
+
+<file path=ppt/slides/slide16.xml><?xml version="1.0" encoding="utf-8"?>
+<p:sld xmlns:a="http://schemas.openxmlformats.org/drawingml/2006/main" xmlns:r="http://schemas.openxmlformats.org/officeDocument/2006/relationships" xmlns:p="http://schemas.openxmlformats.org/presentationml/2006/main">
+  <p:cSld>
+    <p:spTree>
+      <p:nvGrpSpPr>
+        <p:cNvPr id="1" name=""/>
+        <p:cNvGrpSpPr/>
+        <p:nvPr/>
+      </p:nvGrpSpPr>
+      <p:grpSpPr>
+        <a:xfrm>
+          <a:off x="0" y="0"/>
+          <a:ext cx="0" cy="0"/>
+          <a:chOff x="0" y="0"/>
+          <a:chExt cx="0" cy="0"/>
+        </a:xfrm>
+      </p:grpSpPr>
+      <p:pic>
+        <p:nvPicPr>
+          <p:cNvPr id="4" name="그림 3">
+            <a:extLst>
+              <a:ext uri="{FF2B5EF4-FFF2-40B4-BE49-F238E27FC236}">
+                <a16:creationId xmlns:a16="http://schemas.microsoft.com/office/drawing/2014/main" id="{79B5D52C-26A2-4D04-9899-0134522D9EA5}"/>
+              </a:ext>
+            </a:extLst>
+          </p:cNvPr>
+          <p:cNvPicPr>
+            <a:picLocks noChangeAspect="1"/>
+          </p:cNvPicPr>
+          <p:nvPr/>
+        </p:nvPicPr>
+        <p:blipFill>
+          <a:blip r:embed="rId2"/>
+          <a:stretch>
+            <a:fillRect/>
+          </a:stretch>
+        </p:blipFill>
+        <p:spPr>
+          <a:xfrm>
+            <a:off x="2941320" y="2727959"/>
+            <a:ext cx="6096000" cy="977372"/>
+          </a:xfrm>
+          <a:prstGeom prst="rect">
+            <a:avLst/>
+          </a:prstGeom>
+        </p:spPr>
+      </p:pic>
+    </p:spTree>
+    <p:extLst>
+      <p:ext uri="{BB962C8B-B14F-4D97-AF65-F5344CB8AC3E}">
+        <p14:creationId xmlns:p14="http://schemas.microsoft.com/office/powerpoint/2010/main" val="552028280"/>
+      </p:ext>
+    </p:extLst>
+  </p:cSld>
+  <p:clrMapOvr>
+    <a:masterClrMapping/>
+  </p:clrMapOvr>
+</p:sld>
+</file>
+
+<file path=ppt/slides/slide17.xml><?xml version="1.0" encoding="utf-8"?>
+<p:sld xmlns:a="http://schemas.openxmlformats.org/drawingml/2006/main" xmlns:r="http://schemas.openxmlformats.org/officeDocument/2006/relationships" xmlns:p="http://schemas.openxmlformats.org/presentationml/2006/main">
+  <p:cSld>
+    <p:spTree>
+      <p:nvGrpSpPr>
+        <p:cNvPr id="1" name=""/>
+        <p:cNvGrpSpPr/>
+        <p:nvPr/>
+      </p:nvGrpSpPr>
+      <p:grpSpPr>
+        <a:xfrm>
+          <a:off x="0" y="0"/>
+          <a:ext cx="0" cy="0"/>
+          <a:chOff x="0" y="0"/>
+          <a:chExt cx="0" cy="0"/>
+        </a:xfrm>
+      </p:grpSpPr>
+      <p:grpSp>
+        <p:nvGrpSpPr>
+          <p:cNvPr id="16" name="그룹 15">
+            <a:extLst>
+              <a:ext uri="{FF2B5EF4-FFF2-40B4-BE49-F238E27FC236}">
+                <a16:creationId xmlns:a16="http://schemas.microsoft.com/office/drawing/2014/main" id="{ED28E5BC-FC6D-46F4-B99B-5EE71E01D07F}"/>
+              </a:ext>
+            </a:extLst>
+          </p:cNvPr>
+          <p:cNvGrpSpPr/>
+          <p:nvPr/>
+        </p:nvGrpSpPr>
+        <p:grpSpPr>
+          <a:xfrm>
+            <a:off x="3816626" y="2464905"/>
+            <a:ext cx="3703036" cy="2643808"/>
+            <a:chOff x="2300199" y="1226772"/>
+            <a:chExt cx="7451508" cy="4586199"/>
+          </a:xfrm>
+        </p:grpSpPr>
+        <p:pic>
+          <p:nvPicPr>
+            <p:cNvPr id="4" name="그림 3">
+              <a:extLst>
+                <a:ext uri="{FF2B5EF4-FFF2-40B4-BE49-F238E27FC236}">
+                  <a16:creationId xmlns:a16="http://schemas.microsoft.com/office/drawing/2014/main" id="{A9F5259C-4094-41FD-A0D5-2396324ED3D7}"/>
+                </a:ext>
+              </a:extLst>
+            </p:cNvPr>
+            <p:cNvPicPr>
+              <a:picLocks noChangeAspect="1"/>
+            </p:cNvPicPr>
+            <p:nvPr/>
+          </p:nvPicPr>
+          <p:blipFill>
+            <a:blip r:embed="rId2"/>
+            <a:stretch>
+              <a:fillRect/>
+            </a:stretch>
+          </p:blipFill>
+          <p:spPr>
+            <a:xfrm>
+              <a:off x="2300199" y="1226772"/>
+              <a:ext cx="7451508" cy="4586199"/>
+            </a:xfrm>
+            <a:prstGeom prst="rect">
+              <a:avLst/>
+            </a:prstGeom>
+          </p:spPr>
+        </p:pic>
+        <p:sp>
+          <p:nvSpPr>
+            <p:cNvPr id="5" name="직사각형 4">
+              <a:extLst>
+                <a:ext uri="{FF2B5EF4-FFF2-40B4-BE49-F238E27FC236}">
+                  <a16:creationId xmlns:a16="http://schemas.microsoft.com/office/drawing/2014/main" id="{A3D2751D-11FE-49B7-BE8D-20B9847A9286}"/>
+                </a:ext>
+              </a:extLst>
+            </p:cNvPr>
+            <p:cNvSpPr/>
+            <p:nvPr/>
+          </p:nvSpPr>
+          <p:spPr>
+            <a:xfrm>
+              <a:off x="3921339" y="4069733"/>
+              <a:ext cx="1406807" cy="212386"/>
+            </a:xfrm>
+            <a:prstGeom prst="rect">
+              <a:avLst/>
+            </a:prstGeom>
+            <a:noFill/>
+            <a:ln w="25400">
+              <a:solidFill>
+                <a:srgbClr val="FF0000"/>
+              </a:solidFill>
+            </a:ln>
+          </p:spPr>
+          <p:style>
+            <a:lnRef idx="2">
+              <a:schemeClr val="accent1">
+                <a:shade val="50000"/>
+              </a:schemeClr>
+            </a:lnRef>
+            <a:fillRef idx="1">
+              <a:schemeClr val="accent1"/>
+            </a:fillRef>
+            <a:effectRef idx="0">
+              <a:schemeClr val="accent1"/>
+            </a:effectRef>
+            <a:fontRef idx="minor">
+              <a:schemeClr val="lt1"/>
+            </a:fontRef>
+          </p:style>
+          <p:txBody>
+            <a:bodyPr rtlCol="0" anchor="ctr"/>
+            <a:lstStyle/>
+            <a:p>
+              <a:pPr algn="ctr"/>
+              <a:endParaRPr lang="ko-KR" altLang="en-US" dirty="0"/>
+            </a:p>
+          </p:txBody>
+        </p:sp>
+        <p:sp>
+          <p:nvSpPr>
+            <p:cNvPr id="15" name="타원 14">
+              <a:extLst>
+                <a:ext uri="{FF2B5EF4-FFF2-40B4-BE49-F238E27FC236}">
+                  <a16:creationId xmlns:a16="http://schemas.microsoft.com/office/drawing/2014/main" id="{7993275E-AA24-4FC0-981B-99A3C22DA8EE}"/>
+                </a:ext>
+              </a:extLst>
+            </p:cNvPr>
+            <p:cNvSpPr/>
+            <p:nvPr/>
+          </p:nvSpPr>
+          <p:spPr>
+            <a:xfrm>
+              <a:off x="4026768" y="3429000"/>
+              <a:ext cx="823528" cy="421703"/>
+            </a:xfrm>
+            <a:prstGeom prst="ellipse">
+              <a:avLst/>
+            </a:prstGeom>
+            <a:noFill/>
+            <a:ln w="25400">
+              <a:solidFill>
+                <a:srgbClr val="FF0000"/>
+              </a:solidFill>
+            </a:ln>
+          </p:spPr>
+          <p:style>
+            <a:lnRef idx="2">
+              <a:schemeClr val="accent1">
+                <a:shade val="50000"/>
+              </a:schemeClr>
+            </a:lnRef>
+            <a:fillRef idx="1">
+              <a:schemeClr val="accent1"/>
+            </a:fillRef>
+            <a:effectRef idx="0">
+              <a:schemeClr val="accent1"/>
+            </a:effectRef>
+            <a:fontRef idx="minor">
+              <a:schemeClr val="lt1"/>
+            </a:fontRef>
+          </p:style>
+          <p:txBody>
+            <a:bodyPr rtlCol="0" anchor="ctr"/>
+            <a:lstStyle/>
+            <a:p>
+              <a:pPr algn="ctr"/>
+              <a:endParaRPr lang="ko-KR" altLang="en-US" dirty="0"/>
+            </a:p>
+          </p:txBody>
+        </p:sp>
+      </p:grpSp>
+    </p:spTree>
+    <p:extLst>
+      <p:ext uri="{BB962C8B-B14F-4D97-AF65-F5344CB8AC3E}">
+        <p14:creationId xmlns:p14="http://schemas.microsoft.com/office/powerpoint/2010/main" val="1587477634"/>
+      </p:ext>
+    </p:extLst>
+  </p:cSld>
+  <p:clrMapOvr>
+    <a:masterClrMapping/>
+  </p:clrMapOvr>
+</p:sld>
+</file>
+
 <file path=ppt/slides/slide2.xml><?xml version="1.0" encoding="utf-8"?>
 <p:sld xmlns:a="http://schemas.openxmlformats.org/drawingml/2006/main" xmlns:r="http://schemas.openxmlformats.org/officeDocument/2006/relationships" xmlns:p="http://schemas.openxmlformats.org/presentationml/2006/main">
   <p:cSld>
@@ -4743,7 +5070,7 @@
           <p:nvPr>
             <p:extLst>
               <p:ext uri="{D42A27DB-BD31-4B8C-83A1-F6EECF244321}">
-                <p14:modId xmlns:p14="http://schemas.microsoft.com/office/powerpoint/2010/main" val="2461684064"/>
+                <p14:modId xmlns:p14="http://schemas.microsoft.com/office/powerpoint/2010/main" val="2622928051"/>
               </p:ext>
             </p:extLst>
           </p:nvPr>
@@ -4879,6 +5206,13 @@
                     <a:lstStyle/>
                     <a:p>
                       <a:pPr algn="ctr" latinLnBrk="1"/>
+                      <a:r>
+                        <a:rPr lang="en-US" altLang="ko-KR" dirty="0">
+                          <a:latin typeface="D2Coding" panose="020B0609020101020101" pitchFamily="49" charset="-127"/>
+                          <a:ea typeface="D2Coding" panose="020B0609020101020101" pitchFamily="49" charset="-127"/>
+                        </a:rPr>
+                        <a:t>-</a:t>
+                      </a:r>
                       <a:endParaRPr lang="ko-KR" altLang="en-US" dirty="0">
                         <a:latin typeface="D2Coding" panose="020B0609020101020101" pitchFamily="49" charset="-127"/>
                         <a:ea typeface="D2Coding" panose="020B0609020101020101" pitchFamily="49" charset="-127"/>
@@ -4938,6 +5272,13 @@
                     <a:lstStyle/>
                     <a:p>
                       <a:pPr algn="ctr" latinLnBrk="1"/>
+                      <a:r>
+                        <a:rPr lang="en-US" altLang="ko-KR" dirty="0">
+                          <a:latin typeface="D2Coding" panose="020B0609020101020101" pitchFamily="49" charset="-127"/>
+                          <a:ea typeface="D2Coding" panose="020B0609020101020101" pitchFamily="49" charset="-127"/>
+                        </a:rPr>
+                        <a:t>-</a:t>
+                      </a:r>
                       <a:endParaRPr lang="ko-KR" altLang="en-US" dirty="0">
                         <a:latin typeface="D2Coding" panose="020B0609020101020101" pitchFamily="49" charset="-127"/>
                         <a:ea typeface="D2Coding" panose="020B0609020101020101" pitchFamily="49" charset="-127"/>
@@ -4997,6 +5338,13 @@
                     <a:lstStyle/>
                     <a:p>
                       <a:pPr algn="ctr" latinLnBrk="1"/>
+                      <a:r>
+                        <a:rPr lang="en-US" altLang="ko-KR" dirty="0">
+                          <a:latin typeface="D2Coding" panose="020B0609020101020101" pitchFamily="49" charset="-127"/>
+                          <a:ea typeface="D2Coding" panose="020B0609020101020101" pitchFamily="49" charset="-127"/>
+                        </a:rPr>
+                        <a:t>-</a:t>
+                      </a:r>
                       <a:endParaRPr lang="ko-KR" altLang="en-US" dirty="0">
                         <a:latin typeface="D2Coding" panose="020B0609020101020101" pitchFamily="49" charset="-127"/>
                         <a:ea typeface="D2Coding" panose="020B0609020101020101" pitchFamily="49" charset="-127"/>
@@ -5056,6 +5404,13 @@
                     <a:lstStyle/>
                     <a:p>
                       <a:pPr algn="ctr" latinLnBrk="1"/>
+                      <a:r>
+                        <a:rPr lang="en-US" altLang="ko-KR" dirty="0">
+                          <a:latin typeface="D2Coding" panose="020B0609020101020101" pitchFamily="49" charset="-127"/>
+                          <a:ea typeface="D2Coding" panose="020B0609020101020101" pitchFamily="49" charset="-127"/>
+                        </a:rPr>
+                        <a:t>-</a:t>
+                      </a:r>
                       <a:endParaRPr lang="ko-KR" altLang="en-US" dirty="0">
                         <a:latin typeface="D2Coding" panose="020B0609020101020101" pitchFamily="49" charset="-127"/>
                         <a:ea typeface="D2Coding" panose="020B0609020101020101" pitchFamily="49" charset="-127"/>
@@ -5115,6 +5470,13 @@
                     <a:lstStyle/>
                     <a:p>
                       <a:pPr algn="ctr" latinLnBrk="1"/>
+                      <a:r>
+                        <a:rPr lang="en-US" altLang="ko-KR" dirty="0">
+                          <a:latin typeface="D2Coding" panose="020B0609020101020101" pitchFamily="49" charset="-127"/>
+                          <a:ea typeface="D2Coding" panose="020B0609020101020101" pitchFamily="49" charset="-127"/>
+                        </a:rPr>
+                        <a:t>-</a:t>
+                      </a:r>
                       <a:endParaRPr lang="ko-KR" altLang="en-US" dirty="0">
                         <a:latin typeface="D2Coding" panose="020B0609020101020101" pitchFamily="49" charset="-127"/>
                         <a:ea typeface="D2Coding" panose="020B0609020101020101" pitchFamily="49" charset="-127"/>
@@ -5178,6 +5540,13 @@
                     <a:lstStyle/>
                     <a:p>
                       <a:pPr algn="ctr" latinLnBrk="1"/>
+                      <a:r>
+                        <a:rPr lang="en-US" altLang="ko-KR" dirty="0">
+                          <a:latin typeface="D2Coding" panose="020B0609020101020101" pitchFamily="49" charset="-127"/>
+                          <a:ea typeface="D2Coding" panose="020B0609020101020101" pitchFamily="49" charset="-127"/>
+                        </a:rPr>
+                        <a:t>-</a:t>
+                      </a:r>
                       <a:endParaRPr lang="ko-KR" altLang="en-US" dirty="0">
                         <a:latin typeface="D2Coding" panose="020B0609020101020101" pitchFamily="49" charset="-127"/>
                         <a:ea typeface="D2Coding" panose="020B0609020101020101" pitchFamily="49" charset="-127"/>
@@ -5237,6 +5606,13 @@
                     <a:lstStyle/>
                     <a:p>
                       <a:pPr algn="ctr" latinLnBrk="1"/>
+                      <a:r>
+                        <a:rPr lang="en-US" altLang="ko-KR" dirty="0">
+                          <a:latin typeface="D2Coding" panose="020B0609020101020101" pitchFamily="49" charset="-127"/>
+                          <a:ea typeface="D2Coding" panose="020B0609020101020101" pitchFamily="49" charset="-127"/>
+                        </a:rPr>
+                        <a:t>-</a:t>
+                      </a:r>
                       <a:endParaRPr lang="ko-KR" altLang="en-US" dirty="0">
                         <a:latin typeface="D2Coding" panose="020B0609020101020101" pitchFamily="49" charset="-127"/>
                         <a:ea typeface="D2Coding" panose="020B0609020101020101" pitchFamily="49" charset="-127"/>
